--- a/Projet sMARTPATATE.pptx
+++ b/Projet sMARTPATATE.pptx
@@ -173,7 +173,7 @@
           <a:noFill/>
           <a:extLst>
             <a:ext uri="{909E8E84-426E-40dd-AFC4-6F175D3DCCD1}">
-              <a14:hiddenFill xmlns="" xmlns:a14="http://schemas.microsoft.com/office/drawing/2010/main">
+              <a14:hiddenFill xmlns:a14="http://schemas.microsoft.com/office/drawing/2010/main" xmlns="">
                 <a:solidFill>
                   <a:srgbClr val="FFFFFF"/>
                 </a:solidFill>
@@ -232,7 +232,7 @@
             </a:ln>
             <a:extLst>
               <a:ext uri="{91240B29-F687-4f45-9708-019B960494DF}">
-                <a14:hiddenLine xmlns="" xmlns:a14="http://schemas.microsoft.com/office/drawing/2010/main" w="9525">
+                <a14:hiddenLine xmlns:a14="http://schemas.microsoft.com/office/drawing/2010/main" xmlns="" w="9525">
                   <a:solidFill>
                     <a:srgbClr val="000000"/>
                   </a:solidFill>
@@ -322,7 +322,7 @@
             </a:ln>
             <a:extLst>
               <a:ext uri="{91240B29-F687-4f45-9708-019B960494DF}">
-                <a14:hiddenLine xmlns="" xmlns:a14="http://schemas.microsoft.com/office/drawing/2010/main" w="9525">
+                <a14:hiddenLine xmlns:a14="http://schemas.microsoft.com/office/drawing/2010/main" xmlns="" w="9525">
                   <a:solidFill>
                     <a:srgbClr val="000000"/>
                   </a:solidFill>
@@ -412,7 +412,7 @@
             </a:ln>
             <a:extLst>
               <a:ext uri="{91240B29-F687-4f45-9708-019B960494DF}">
-                <a14:hiddenLine xmlns="" xmlns:a14="http://schemas.microsoft.com/office/drawing/2010/main" w="9525">
+                <a14:hiddenLine xmlns:a14="http://schemas.microsoft.com/office/drawing/2010/main" xmlns="" w="9525">
                   <a:solidFill>
                     <a:srgbClr val="000000"/>
                   </a:solidFill>
@@ -446,7 +446,7 @@
             </a:ln>
             <a:extLst>
               <a:ext uri="{91240B29-F687-4f45-9708-019B960494DF}">
-                <a14:hiddenLine xmlns="" xmlns:a14="http://schemas.microsoft.com/office/drawing/2010/main" w="9525">
+                <a14:hiddenLine xmlns:a14="http://schemas.microsoft.com/office/drawing/2010/main" xmlns="" w="9525">
                   <a:solidFill>
                     <a:srgbClr val="000000"/>
                   </a:solidFill>
@@ -536,7 +536,7 @@
             </a:ln>
             <a:extLst>
               <a:ext uri="{91240B29-F687-4f45-9708-019B960494DF}">
-                <a14:hiddenLine xmlns="" xmlns:a14="http://schemas.microsoft.com/office/drawing/2010/main" w="9525">
+                <a14:hiddenLine xmlns:a14="http://schemas.microsoft.com/office/drawing/2010/main" xmlns="" w="9525">
                   <a:solidFill>
                     <a:srgbClr val="000000"/>
                   </a:solidFill>
@@ -598,7 +598,7 @@
             </a:ln>
             <a:extLst>
               <a:ext uri="{91240B29-F687-4f45-9708-019B960494DF}">
-                <a14:hiddenLine xmlns="" xmlns:a14="http://schemas.microsoft.com/office/drawing/2010/main" w="9525">
+                <a14:hiddenLine xmlns:a14="http://schemas.microsoft.com/office/drawing/2010/main" xmlns="" w="9525">
                   <a:solidFill>
                     <a:srgbClr val="000000"/>
                   </a:solidFill>
@@ -660,7 +660,7 @@
             </a:ln>
             <a:extLst>
               <a:ext uri="{91240B29-F687-4f45-9708-019B960494DF}">
-                <a14:hiddenLine xmlns="" xmlns:a14="http://schemas.microsoft.com/office/drawing/2010/main" w="9525">
+                <a14:hiddenLine xmlns:a14="http://schemas.microsoft.com/office/drawing/2010/main" xmlns="" w="9525">
                   <a:solidFill>
                     <a:srgbClr val="000000"/>
                   </a:solidFill>
@@ -750,7 +750,7 @@
             </a:ln>
             <a:extLst>
               <a:ext uri="{91240B29-F687-4f45-9708-019B960494DF}">
-                <a14:hiddenLine xmlns="" xmlns:a14="http://schemas.microsoft.com/office/drawing/2010/main" w="9525">
+                <a14:hiddenLine xmlns:a14="http://schemas.microsoft.com/office/drawing/2010/main" xmlns="" w="9525">
                   <a:solidFill>
                     <a:srgbClr val="000000"/>
                   </a:solidFill>
@@ -812,7 +812,7 @@
             </a:ln>
             <a:extLst>
               <a:ext uri="{91240B29-F687-4f45-9708-019B960494DF}">
-                <a14:hiddenLine xmlns="" xmlns:a14="http://schemas.microsoft.com/office/drawing/2010/main" w="9525">
+                <a14:hiddenLine xmlns:a14="http://schemas.microsoft.com/office/drawing/2010/main" xmlns="" w="9525">
                   <a:solidFill>
                     <a:srgbClr val="000000"/>
                   </a:solidFill>
@@ -874,7 +874,7 @@
             </a:ln>
             <a:extLst>
               <a:ext uri="{91240B29-F687-4f45-9708-019B960494DF}">
-                <a14:hiddenLine xmlns="" xmlns:a14="http://schemas.microsoft.com/office/drawing/2010/main" w="9525">
+                <a14:hiddenLine xmlns:a14="http://schemas.microsoft.com/office/drawing/2010/main" xmlns="" w="9525">
                   <a:solidFill>
                     <a:srgbClr val="000000"/>
                   </a:solidFill>
@@ -964,7 +964,7 @@
             </a:ln>
             <a:extLst>
               <a:ext uri="{91240B29-F687-4f45-9708-019B960494DF}">
-                <a14:hiddenLine xmlns="" xmlns:a14="http://schemas.microsoft.com/office/drawing/2010/main" w="9525">
+                <a14:hiddenLine xmlns:a14="http://schemas.microsoft.com/office/drawing/2010/main" xmlns="" w="9525">
                   <a:solidFill>
                     <a:srgbClr val="000000"/>
                   </a:solidFill>
@@ -1054,7 +1054,7 @@
             </a:ln>
             <a:extLst>
               <a:ext uri="{91240B29-F687-4f45-9708-019B960494DF}">
-                <a14:hiddenLine xmlns="" xmlns:a14="http://schemas.microsoft.com/office/drawing/2010/main" w="9525">
+                <a14:hiddenLine xmlns:a14="http://schemas.microsoft.com/office/drawing/2010/main" xmlns="" w="9525">
                   <a:solidFill>
                     <a:srgbClr val="000000"/>
                   </a:solidFill>
@@ -1116,7 +1116,7 @@
             </a:ln>
             <a:extLst>
               <a:ext uri="{91240B29-F687-4f45-9708-019B960494DF}">
-                <a14:hiddenLine xmlns="" xmlns:a14="http://schemas.microsoft.com/office/drawing/2010/main" w="9525">
+                <a14:hiddenLine xmlns:a14="http://schemas.microsoft.com/office/drawing/2010/main" xmlns="" w="9525">
                   <a:solidFill>
                     <a:srgbClr val="000000"/>
                   </a:solidFill>
@@ -1226,7 +1226,7 @@
             </a:ln>
             <a:extLst>
               <a:ext uri="{91240B29-F687-4f45-9708-019B960494DF}">
-                <a14:hiddenLine xmlns="" xmlns:a14="http://schemas.microsoft.com/office/drawing/2010/main" w="9525">
+                <a14:hiddenLine xmlns:a14="http://schemas.microsoft.com/office/drawing/2010/main" xmlns="" w="9525">
                   <a:solidFill>
                     <a:srgbClr val="000000"/>
                   </a:solidFill>
@@ -1288,7 +1288,7 @@
             </a:ln>
             <a:extLst>
               <a:ext uri="{91240B29-F687-4f45-9708-019B960494DF}">
-                <a14:hiddenLine xmlns="" xmlns:a14="http://schemas.microsoft.com/office/drawing/2010/main" w="9525">
+                <a14:hiddenLine xmlns:a14="http://schemas.microsoft.com/office/drawing/2010/main" xmlns="" w="9525">
                   <a:solidFill>
                     <a:srgbClr val="000000"/>
                   </a:solidFill>
@@ -1378,7 +1378,7 @@
             </a:ln>
             <a:extLst>
               <a:ext uri="{91240B29-F687-4f45-9708-019B960494DF}">
-                <a14:hiddenLine xmlns="" xmlns:a14="http://schemas.microsoft.com/office/drawing/2010/main" w="9525">
+                <a14:hiddenLine xmlns:a14="http://schemas.microsoft.com/office/drawing/2010/main" xmlns="" w="9525">
                   <a:solidFill>
                     <a:srgbClr val="000000"/>
                   </a:solidFill>
@@ -1468,7 +1468,7 @@
             </a:ln>
             <a:extLst>
               <a:ext uri="{91240B29-F687-4f45-9708-019B960494DF}">
-                <a14:hiddenLine xmlns="" xmlns:a14="http://schemas.microsoft.com/office/drawing/2010/main" w="9525">
+                <a14:hiddenLine xmlns:a14="http://schemas.microsoft.com/office/drawing/2010/main" xmlns="" w="9525">
                   <a:solidFill>
                     <a:srgbClr val="000000"/>
                   </a:solidFill>
@@ -1530,7 +1530,7 @@
             </a:ln>
             <a:extLst>
               <a:ext uri="{91240B29-F687-4f45-9708-019B960494DF}">
-                <a14:hiddenLine xmlns="" xmlns:a14="http://schemas.microsoft.com/office/drawing/2010/main" w="9525">
+                <a14:hiddenLine xmlns:a14="http://schemas.microsoft.com/office/drawing/2010/main" xmlns="" w="9525">
                   <a:solidFill>
                     <a:srgbClr val="000000"/>
                   </a:solidFill>
@@ -1620,7 +1620,7 @@
             </a:ln>
             <a:extLst>
               <a:ext uri="{91240B29-F687-4f45-9708-019B960494DF}">
-                <a14:hiddenLine xmlns="" xmlns:a14="http://schemas.microsoft.com/office/drawing/2010/main" w="9525">
+                <a14:hiddenLine xmlns:a14="http://schemas.microsoft.com/office/drawing/2010/main" xmlns="" w="9525">
                   <a:solidFill>
                     <a:srgbClr val="000000"/>
                   </a:solidFill>
@@ -1710,7 +1710,7 @@
             </a:ln>
             <a:extLst>
               <a:ext uri="{91240B29-F687-4f45-9708-019B960494DF}">
-                <a14:hiddenLine xmlns="" xmlns:a14="http://schemas.microsoft.com/office/drawing/2010/main" w="9525">
+                <a14:hiddenLine xmlns:a14="http://schemas.microsoft.com/office/drawing/2010/main" xmlns="" w="9525">
                   <a:solidFill>
                     <a:srgbClr val="000000"/>
                   </a:solidFill>
@@ -1766,7 +1766,7 @@
             </a:ln>
             <a:extLst>
               <a:ext uri="{91240B29-F687-4f45-9708-019B960494DF}">
-                <a14:hiddenLine xmlns="" xmlns:a14="http://schemas.microsoft.com/office/drawing/2010/main" w="9525">
+                <a14:hiddenLine xmlns:a14="http://schemas.microsoft.com/office/drawing/2010/main" xmlns="" w="9525">
                   <a:solidFill>
                     <a:srgbClr val="000000"/>
                   </a:solidFill>
@@ -1856,7 +1856,7 @@
             </a:ln>
             <a:extLst>
               <a:ext uri="{91240B29-F687-4f45-9708-019B960494DF}">
-                <a14:hiddenLine xmlns="" xmlns:a14="http://schemas.microsoft.com/office/drawing/2010/main" w="9525">
+                <a14:hiddenLine xmlns:a14="http://schemas.microsoft.com/office/drawing/2010/main" xmlns="" w="9525">
                   <a:solidFill>
                     <a:srgbClr val="000000"/>
                   </a:solidFill>
@@ -1912,7 +1912,7 @@
             </a:ln>
             <a:extLst>
               <a:ext uri="{91240B29-F687-4f45-9708-019B960494DF}">
-                <a14:hiddenLine xmlns="" xmlns:a14="http://schemas.microsoft.com/office/drawing/2010/main" w="9525">
+                <a14:hiddenLine xmlns:a14="http://schemas.microsoft.com/office/drawing/2010/main" xmlns="" w="9525">
                   <a:solidFill>
                     <a:srgbClr val="000000"/>
                   </a:solidFill>
@@ -2002,7 +2002,7 @@
             </a:ln>
             <a:extLst>
               <a:ext uri="{91240B29-F687-4f45-9708-019B960494DF}">
-                <a14:hiddenLine xmlns="" xmlns:a14="http://schemas.microsoft.com/office/drawing/2010/main" w="9525">
+                <a14:hiddenLine xmlns:a14="http://schemas.microsoft.com/office/drawing/2010/main" xmlns="" w="9525">
                   <a:solidFill>
                     <a:srgbClr val="000000"/>
                   </a:solidFill>
@@ -2070,7 +2070,7 @@
             </a:ln>
             <a:extLst>
               <a:ext uri="{91240B29-F687-4f45-9708-019B960494DF}">
-                <a14:hiddenLine xmlns="" xmlns:a14="http://schemas.microsoft.com/office/drawing/2010/main" w="9525">
+                <a14:hiddenLine xmlns:a14="http://schemas.microsoft.com/office/drawing/2010/main" xmlns="" w="9525">
                   <a:solidFill>
                     <a:srgbClr val="000000"/>
                   </a:solidFill>
@@ -2160,7 +2160,7 @@
             </a:ln>
             <a:extLst>
               <a:ext uri="{91240B29-F687-4f45-9708-019B960494DF}">
-                <a14:hiddenLine xmlns="" xmlns:a14="http://schemas.microsoft.com/office/drawing/2010/main" w="9525">
+                <a14:hiddenLine xmlns:a14="http://schemas.microsoft.com/office/drawing/2010/main" xmlns="" w="9525">
                   <a:solidFill>
                     <a:srgbClr val="000000"/>
                   </a:solidFill>
@@ -2228,7 +2228,7 @@
             </a:ln>
             <a:extLst>
               <a:ext uri="{91240B29-F687-4f45-9708-019B960494DF}">
-                <a14:hiddenLine xmlns="" xmlns:a14="http://schemas.microsoft.com/office/drawing/2010/main" w="9525">
+                <a14:hiddenLine xmlns:a14="http://schemas.microsoft.com/office/drawing/2010/main" xmlns="" w="9525">
                   <a:solidFill>
                     <a:srgbClr val="000000"/>
                   </a:solidFill>
@@ -2318,7 +2318,7 @@
             </a:ln>
             <a:extLst>
               <a:ext uri="{91240B29-F687-4f45-9708-019B960494DF}">
-                <a14:hiddenLine xmlns="" xmlns:a14="http://schemas.microsoft.com/office/drawing/2010/main" w="9525">
+                <a14:hiddenLine xmlns:a14="http://schemas.microsoft.com/office/drawing/2010/main" xmlns="" w="9525">
                   <a:solidFill>
                     <a:srgbClr val="000000"/>
                   </a:solidFill>
@@ -2352,7 +2352,7 @@
             </a:ln>
             <a:extLst>
               <a:ext uri="{91240B29-F687-4f45-9708-019B960494DF}">
-                <a14:hiddenLine xmlns="" xmlns:a14="http://schemas.microsoft.com/office/drawing/2010/main" w="9525">
+                <a14:hiddenLine xmlns:a14="http://schemas.microsoft.com/office/drawing/2010/main" xmlns="" w="9525">
                   <a:solidFill>
                     <a:srgbClr val="000000"/>
                   </a:solidFill>
@@ -2442,7 +2442,7 @@
             </a:ln>
             <a:extLst>
               <a:ext uri="{91240B29-F687-4f45-9708-019B960494DF}">
-                <a14:hiddenLine xmlns="" xmlns:a14="http://schemas.microsoft.com/office/drawing/2010/main" w="9525">
+                <a14:hiddenLine xmlns:a14="http://schemas.microsoft.com/office/drawing/2010/main" xmlns="" w="9525">
                   <a:solidFill>
                     <a:srgbClr val="000000"/>
                   </a:solidFill>
@@ -2504,7 +2504,7 @@
             </a:ln>
             <a:extLst>
               <a:ext uri="{91240B29-F687-4f45-9708-019B960494DF}">
-                <a14:hiddenLine xmlns="" xmlns:a14="http://schemas.microsoft.com/office/drawing/2010/main" w="9525">
+                <a14:hiddenLine xmlns:a14="http://schemas.microsoft.com/office/drawing/2010/main" xmlns="" w="9525">
                   <a:solidFill>
                     <a:srgbClr val="000000"/>
                   </a:solidFill>
@@ -2566,7 +2566,7 @@
             </a:ln>
             <a:extLst>
               <a:ext uri="{91240B29-F687-4f45-9708-019B960494DF}">
-                <a14:hiddenLine xmlns="" xmlns:a14="http://schemas.microsoft.com/office/drawing/2010/main" w="9525">
+                <a14:hiddenLine xmlns:a14="http://schemas.microsoft.com/office/drawing/2010/main" xmlns="" w="9525">
                   <a:solidFill>
                     <a:srgbClr val="000000"/>
                   </a:solidFill>
@@ -2656,7 +2656,7 @@
             </a:ln>
             <a:extLst>
               <a:ext uri="{91240B29-F687-4f45-9708-019B960494DF}">
-                <a14:hiddenLine xmlns="" xmlns:a14="http://schemas.microsoft.com/office/drawing/2010/main" w="9525">
+                <a14:hiddenLine xmlns:a14="http://schemas.microsoft.com/office/drawing/2010/main" xmlns="" w="9525">
                   <a:solidFill>
                     <a:srgbClr val="000000"/>
                   </a:solidFill>
@@ -2724,7 +2724,7 @@
             </a:ln>
             <a:extLst>
               <a:ext uri="{91240B29-F687-4f45-9708-019B960494DF}">
-                <a14:hiddenLine xmlns="" xmlns:a14="http://schemas.microsoft.com/office/drawing/2010/main" w="9525">
+                <a14:hiddenLine xmlns:a14="http://schemas.microsoft.com/office/drawing/2010/main" xmlns="" w="9525">
                   <a:solidFill>
                     <a:srgbClr val="000000"/>
                   </a:solidFill>
@@ -2786,7 +2786,7 @@
             </a:ln>
             <a:extLst>
               <a:ext uri="{91240B29-F687-4f45-9708-019B960494DF}">
-                <a14:hiddenLine xmlns="" xmlns:a14="http://schemas.microsoft.com/office/drawing/2010/main" w="9525">
+                <a14:hiddenLine xmlns:a14="http://schemas.microsoft.com/office/drawing/2010/main" xmlns="" w="9525">
                   <a:solidFill>
                     <a:srgbClr val="000000"/>
                   </a:solidFill>
@@ -2876,7 +2876,7 @@
             </a:ln>
             <a:extLst>
               <a:ext uri="{91240B29-F687-4f45-9708-019B960494DF}">
-                <a14:hiddenLine xmlns="" xmlns:a14="http://schemas.microsoft.com/office/drawing/2010/main" w="9525">
+                <a14:hiddenLine xmlns:a14="http://schemas.microsoft.com/office/drawing/2010/main" xmlns="" w="9525">
                   <a:solidFill>
                     <a:srgbClr val="000000"/>
                   </a:solidFill>
@@ -2938,7 +2938,7 @@
             </a:ln>
             <a:extLst>
               <a:ext uri="{91240B29-F687-4f45-9708-019B960494DF}">
-                <a14:hiddenLine xmlns="" xmlns:a14="http://schemas.microsoft.com/office/drawing/2010/main" w="9525">
+                <a14:hiddenLine xmlns:a14="http://schemas.microsoft.com/office/drawing/2010/main" xmlns="" w="9525">
                   <a:solidFill>
                     <a:srgbClr val="000000"/>
                   </a:solidFill>
@@ -3028,7 +3028,7 @@
             </a:ln>
             <a:extLst>
               <a:ext uri="{91240B29-F687-4f45-9708-019B960494DF}">
-                <a14:hiddenLine xmlns="" xmlns:a14="http://schemas.microsoft.com/office/drawing/2010/main" w="9525">
+                <a14:hiddenLine xmlns:a14="http://schemas.microsoft.com/office/drawing/2010/main" xmlns="" w="9525">
                   <a:solidFill>
                     <a:srgbClr val="000000"/>
                   </a:solidFill>
@@ -3090,7 +3090,7 @@
             </a:ln>
             <a:extLst>
               <a:ext uri="{91240B29-F687-4f45-9708-019B960494DF}">
-                <a14:hiddenLine xmlns="" xmlns:a14="http://schemas.microsoft.com/office/drawing/2010/main" w="9525">
+                <a14:hiddenLine xmlns:a14="http://schemas.microsoft.com/office/drawing/2010/main" xmlns="" w="9525">
                   <a:solidFill>
                     <a:srgbClr val="000000"/>
                   </a:solidFill>
@@ -3180,7 +3180,7 @@
             </a:ln>
             <a:extLst>
               <a:ext uri="{91240B29-F687-4f45-9708-019B960494DF}">
-                <a14:hiddenLine xmlns="" xmlns:a14="http://schemas.microsoft.com/office/drawing/2010/main" w="9525">
+                <a14:hiddenLine xmlns:a14="http://schemas.microsoft.com/office/drawing/2010/main" xmlns="" w="9525">
                   <a:solidFill>
                     <a:srgbClr val="000000"/>
                   </a:solidFill>
@@ -3214,7 +3214,7 @@
             </a:ln>
             <a:extLst>
               <a:ext uri="{91240B29-F687-4f45-9708-019B960494DF}">
-                <a14:hiddenLine xmlns="" xmlns:a14="http://schemas.microsoft.com/office/drawing/2010/main" w="9525">
+                <a14:hiddenLine xmlns:a14="http://schemas.microsoft.com/office/drawing/2010/main" xmlns="" w="9525">
                   <a:solidFill>
                     <a:srgbClr val="000000"/>
                   </a:solidFill>
@@ -3279,7 +3279,7 @@
             </a:ln>
             <a:extLst>
               <a:ext uri="{91240B29-F687-4f45-9708-019B960494DF}">
-                <a14:hiddenLine xmlns="" xmlns:a14="http://schemas.microsoft.com/office/drawing/2010/main" w="9525">
+                <a14:hiddenLine xmlns:a14="http://schemas.microsoft.com/office/drawing/2010/main" xmlns="" w="9525">
                   <a:solidFill>
                     <a:srgbClr val="000000"/>
                   </a:solidFill>
@@ -3369,7 +3369,7 @@
             </a:ln>
             <a:extLst>
               <a:ext uri="{91240B29-F687-4f45-9708-019B960494DF}">
-                <a14:hiddenLine xmlns="" xmlns:a14="http://schemas.microsoft.com/office/drawing/2010/main" w="9525">
+                <a14:hiddenLine xmlns:a14="http://schemas.microsoft.com/office/drawing/2010/main" xmlns="" w="9525">
                   <a:solidFill>
                     <a:srgbClr val="000000"/>
                   </a:solidFill>
@@ -3431,7 +3431,7 @@
             </a:ln>
             <a:extLst>
               <a:ext uri="{91240B29-F687-4f45-9708-019B960494DF}">
-                <a14:hiddenLine xmlns="" xmlns:a14="http://schemas.microsoft.com/office/drawing/2010/main" w="9525">
+                <a14:hiddenLine xmlns:a14="http://schemas.microsoft.com/office/drawing/2010/main" xmlns="" w="9525">
                   <a:solidFill>
                     <a:srgbClr val="000000"/>
                   </a:solidFill>
@@ -3521,7 +3521,7 @@
             </a:ln>
             <a:extLst>
               <a:ext uri="{91240B29-F687-4f45-9708-019B960494DF}">
-                <a14:hiddenLine xmlns="" xmlns:a14="http://schemas.microsoft.com/office/drawing/2010/main" w="9525">
+                <a14:hiddenLine xmlns:a14="http://schemas.microsoft.com/office/drawing/2010/main" xmlns="" w="9525">
                   <a:solidFill>
                     <a:srgbClr val="000000"/>
                   </a:solidFill>
@@ -3611,7 +3611,7 @@
             </a:ln>
             <a:extLst>
               <a:ext uri="{91240B29-F687-4f45-9708-019B960494DF}">
-                <a14:hiddenLine xmlns="" xmlns:a14="http://schemas.microsoft.com/office/drawing/2010/main" w="9525">
+                <a14:hiddenLine xmlns:a14="http://schemas.microsoft.com/office/drawing/2010/main" xmlns="" w="9525">
                   <a:solidFill>
                     <a:srgbClr val="000000"/>
                   </a:solidFill>
@@ -3676,7 +3676,7 @@
             </a:ln>
             <a:extLst>
               <a:ext uri="{91240B29-F687-4f45-9708-019B960494DF}">
-                <a14:hiddenLine xmlns="" xmlns:a14="http://schemas.microsoft.com/office/drawing/2010/main" w="9525">
+                <a14:hiddenLine xmlns:a14="http://schemas.microsoft.com/office/drawing/2010/main" xmlns="" w="9525">
                   <a:solidFill>
                     <a:srgbClr val="000000"/>
                   </a:solidFill>
@@ -3738,7 +3738,7 @@
             </a:ln>
             <a:extLst>
               <a:ext uri="{91240B29-F687-4f45-9708-019B960494DF}">
-                <a14:hiddenLine xmlns="" xmlns:a14="http://schemas.microsoft.com/office/drawing/2010/main" w="9525">
+                <a14:hiddenLine xmlns:a14="http://schemas.microsoft.com/office/drawing/2010/main" xmlns="" w="9525">
                   <a:solidFill>
                     <a:srgbClr val="000000"/>
                   </a:solidFill>
@@ -3828,7 +3828,7 @@
             </a:ln>
             <a:extLst>
               <a:ext uri="{91240B29-F687-4f45-9708-019B960494DF}">
-                <a14:hiddenLine xmlns="" xmlns:a14="http://schemas.microsoft.com/office/drawing/2010/main" w="9525">
+                <a14:hiddenLine xmlns:a14="http://schemas.microsoft.com/office/drawing/2010/main" xmlns="" w="9525">
                   <a:solidFill>
                     <a:srgbClr val="000000"/>
                   </a:solidFill>
@@ -3918,7 +3918,7 @@
             </a:ln>
             <a:extLst>
               <a:ext uri="{91240B29-F687-4f45-9708-019B960494DF}">
-                <a14:hiddenLine xmlns="" xmlns:a14="http://schemas.microsoft.com/office/drawing/2010/main" w="9525">
+                <a14:hiddenLine xmlns:a14="http://schemas.microsoft.com/office/drawing/2010/main" xmlns="" w="9525">
                   <a:solidFill>
                     <a:srgbClr val="000000"/>
                   </a:solidFill>
@@ -3980,7 +3980,7 @@
             </a:ln>
             <a:extLst>
               <a:ext uri="{91240B29-F687-4f45-9708-019B960494DF}">
-                <a14:hiddenLine xmlns="" xmlns:a14="http://schemas.microsoft.com/office/drawing/2010/main" w="9525">
+                <a14:hiddenLine xmlns:a14="http://schemas.microsoft.com/office/drawing/2010/main" xmlns="" w="9525">
                   <a:solidFill>
                     <a:srgbClr val="000000"/>
                   </a:solidFill>
@@ -4100,7 +4100,7 @@
             </a:ln>
             <a:extLst>
               <a:ext uri="{91240B29-F687-4f45-9708-019B960494DF}">
-                <a14:hiddenLine xmlns="" xmlns:a14="http://schemas.microsoft.com/office/drawing/2010/main" w="9525">
+                <a14:hiddenLine xmlns:a14="http://schemas.microsoft.com/office/drawing/2010/main" xmlns="" w="9525">
                   <a:solidFill>
                     <a:srgbClr val="000000"/>
                   </a:solidFill>
@@ -4168,7 +4168,7 @@
             </a:ln>
             <a:extLst>
               <a:ext uri="{91240B29-F687-4f45-9708-019B960494DF}">
-                <a14:hiddenLine xmlns="" xmlns:a14="http://schemas.microsoft.com/office/drawing/2010/main" w="9525">
+                <a14:hiddenLine xmlns:a14="http://schemas.microsoft.com/office/drawing/2010/main" xmlns="" w="9525">
                   <a:solidFill>
                     <a:srgbClr val="000000"/>
                   </a:solidFill>
@@ -4258,7 +4258,7 @@
             </a:ln>
             <a:extLst>
               <a:ext uri="{91240B29-F687-4f45-9708-019B960494DF}">
-                <a14:hiddenLine xmlns="" xmlns:a14="http://schemas.microsoft.com/office/drawing/2010/main" w="9525">
+                <a14:hiddenLine xmlns:a14="http://schemas.microsoft.com/office/drawing/2010/main" xmlns="" w="9525">
                   <a:solidFill>
                     <a:srgbClr val="000000"/>
                   </a:solidFill>
@@ -4398,7 +4398,7 @@
           <a:p>
             <a:fld id="{48A87A34-81AB-432B-8DAE-1953F412C126}" type="datetimeFigureOut">
               <a:rPr lang="en-US" dirty="0"/>
-              <a:t>11/15/2016</a:t>
+              <a:t>11/16/2016</a:t>
             </a:fld>
             <a:endParaRPr lang="en-US" dirty="0"/>
           </a:p>
@@ -4660,7 +4660,7 @@
           <a:p>
             <a:fld id="{48A87A34-81AB-432B-8DAE-1953F412C126}" type="datetimeFigureOut">
               <a:rPr lang="en-US" dirty="0"/>
-              <a:t>11/15/2016</a:t>
+              <a:t>11/16/2016</a:t>
             </a:fld>
             <a:endParaRPr lang="en-US" dirty="0"/>
           </a:p>
@@ -4851,7 +4851,7 @@
           <a:p>
             <a:fld id="{48A87A34-81AB-432B-8DAE-1953F412C126}" type="datetimeFigureOut">
               <a:rPr lang="en-US" dirty="0"/>
-              <a:t>11/15/2016</a:t>
+              <a:t>11/16/2016</a:t>
             </a:fld>
             <a:endParaRPr lang="en-US" dirty="0"/>
           </a:p>
@@ -5109,7 +5109,7 @@
           <a:p>
             <a:fld id="{48A87A34-81AB-432B-8DAE-1953F412C126}" type="datetimeFigureOut">
               <a:rPr lang="en-US" dirty="0"/>
-              <a:t>11/15/2016</a:t>
+              <a:t>11/16/2016</a:t>
             </a:fld>
             <a:endParaRPr lang="en-US" dirty="0"/>
           </a:p>
@@ -5538,7 +5538,7 @@
           <a:p>
             <a:fld id="{48A87A34-81AB-432B-8DAE-1953F412C126}" type="datetimeFigureOut">
               <a:rPr lang="en-US" dirty="0"/>
-              <a:t>11/15/2016</a:t>
+              <a:t>11/16/2016</a:t>
             </a:fld>
             <a:endParaRPr lang="en-US" dirty="0"/>
           </a:p>
@@ -6079,7 +6079,7 @@
           <a:p>
             <a:fld id="{48A87A34-81AB-432B-8DAE-1953F412C126}" type="datetimeFigureOut">
               <a:rPr lang="en-US" dirty="0"/>
-              <a:t>11/15/2016</a:t>
+              <a:t>11/16/2016</a:t>
             </a:fld>
             <a:endParaRPr lang="en-US" dirty="0"/>
           </a:p>
@@ -6794,7 +6794,7 @@
           <a:p>
             <a:fld id="{48A87A34-81AB-432B-8DAE-1953F412C126}" type="datetimeFigureOut">
               <a:rPr lang="en-US" dirty="0"/>
-              <a:t>11/15/2016</a:t>
+              <a:t>11/16/2016</a:t>
             </a:fld>
             <a:endParaRPr lang="en-US" dirty="0"/>
           </a:p>
@@ -6959,7 +6959,7 @@
           <a:p>
             <a:fld id="{48A87A34-81AB-432B-8DAE-1953F412C126}" type="datetimeFigureOut">
               <a:rPr lang="en-US" dirty="0"/>
-              <a:t>11/15/2016</a:t>
+              <a:t>11/16/2016</a:t>
             </a:fld>
             <a:endParaRPr lang="en-US" dirty="0"/>
           </a:p>
@@ -7134,7 +7134,7 @@
           <a:p>
             <a:fld id="{48A87A34-81AB-432B-8DAE-1953F412C126}" type="datetimeFigureOut">
               <a:rPr lang="en-US" dirty="0"/>
-              <a:t>11/15/2016</a:t>
+              <a:t>11/16/2016</a:t>
             </a:fld>
             <a:endParaRPr lang="en-US" dirty="0"/>
           </a:p>
@@ -7299,7 +7299,7 @@
           <a:p>
             <a:fld id="{48A87A34-81AB-432B-8DAE-1953F412C126}" type="datetimeFigureOut">
               <a:rPr lang="en-US" dirty="0"/>
-              <a:t>11/15/2016</a:t>
+              <a:t>11/16/2016</a:t>
             </a:fld>
             <a:endParaRPr lang="en-US" dirty="0"/>
           </a:p>
@@ -7544,7 +7544,7 @@
           <a:p>
             <a:fld id="{48A87A34-81AB-432B-8DAE-1953F412C126}" type="datetimeFigureOut">
               <a:rPr lang="en-US" dirty="0"/>
-              <a:t>11/15/2016</a:t>
+              <a:t>11/16/2016</a:t>
             </a:fld>
             <a:endParaRPr lang="en-US" dirty="0"/>
           </a:p>
@@ -7771,7 +7771,7 @@
           <a:p>
             <a:fld id="{48A87A34-81AB-432B-8DAE-1953F412C126}" type="datetimeFigureOut">
               <a:rPr lang="en-US" dirty="0"/>
-              <a:t>11/15/2016</a:t>
+              <a:t>11/16/2016</a:t>
             </a:fld>
             <a:endParaRPr lang="en-US" dirty="0"/>
           </a:p>
@@ -8147,7 +8147,7 @@
           <a:p>
             <a:fld id="{48A87A34-81AB-432B-8DAE-1953F412C126}" type="datetimeFigureOut">
               <a:rPr lang="en-US" dirty="0"/>
-              <a:t>11/15/2016</a:t>
+              <a:t>11/16/2016</a:t>
             </a:fld>
             <a:endParaRPr lang="en-US" dirty="0"/>
           </a:p>
@@ -8260,7 +8260,7 @@
           <a:p>
             <a:fld id="{48A87A34-81AB-432B-8DAE-1953F412C126}" type="datetimeFigureOut">
               <a:rPr lang="en-US" dirty="0"/>
-              <a:t>11/15/2016</a:t>
+              <a:t>11/16/2016</a:t>
             </a:fld>
             <a:endParaRPr lang="en-US" dirty="0"/>
           </a:p>
@@ -8350,7 +8350,7 @@
           <a:p>
             <a:fld id="{48A87A34-81AB-432B-8DAE-1953F412C126}" type="datetimeFigureOut">
               <a:rPr lang="en-US" dirty="0"/>
-              <a:t>11/15/2016</a:t>
+              <a:t>11/16/2016</a:t>
             </a:fld>
             <a:endParaRPr lang="en-US" dirty="0"/>
           </a:p>
@@ -8594,7 +8594,7 @@
           <a:p>
             <a:fld id="{48A87A34-81AB-432B-8DAE-1953F412C126}" type="datetimeFigureOut">
               <a:rPr lang="en-US" dirty="0"/>
-              <a:t>11/15/2016</a:t>
+              <a:t>11/16/2016</a:t>
             </a:fld>
             <a:endParaRPr lang="en-US" dirty="0"/>
           </a:p>
@@ -8869,7 +8869,7 @@
           <a:p>
             <a:fld id="{48A87A34-81AB-432B-8DAE-1953F412C126}" type="datetimeFigureOut">
               <a:rPr lang="en-US" dirty="0"/>
-              <a:t>11/15/2016</a:t>
+              <a:t>11/16/2016</a:t>
             </a:fld>
             <a:endParaRPr lang="en-US" dirty="0"/>
           </a:p>
@@ -8987,7 +8987,7 @@
           <a:noFill/>
           <a:extLst>
             <a:ext uri="{909E8E84-426E-40dd-AFC4-6F175D3DCCD1}">
-              <a14:hiddenFill xmlns="" xmlns:a14="http://schemas.microsoft.com/office/drawing/2010/main">
+              <a14:hiddenFill xmlns:a14="http://schemas.microsoft.com/office/drawing/2010/main" xmlns="">
                 <a:solidFill>
                   <a:srgbClr val="FFFFFF"/>
                 </a:solidFill>
@@ -9061,7 +9061,7 @@
               </a:ln>
               <a:extLst>
                 <a:ext uri="{91240B29-F687-4f45-9708-019B960494DF}">
-                  <a14:hiddenLine xmlns="" xmlns:a14="http://schemas.microsoft.com/office/drawing/2010/main" w="9525">
+                  <a14:hiddenLine xmlns:a14="http://schemas.microsoft.com/office/drawing/2010/main" xmlns="" w="9525">
                     <a:solidFill>
                       <a:srgbClr val="000000"/>
                     </a:solidFill>
@@ -9151,7 +9151,7 @@
               </a:ln>
               <a:extLst>
                 <a:ext uri="{91240B29-F687-4f45-9708-019B960494DF}">
-                  <a14:hiddenLine xmlns="" xmlns:a14="http://schemas.microsoft.com/office/drawing/2010/main" w="9525">
+                  <a14:hiddenLine xmlns:a14="http://schemas.microsoft.com/office/drawing/2010/main" xmlns="" w="9525">
                     <a:solidFill>
                       <a:srgbClr val="000000"/>
                     </a:solidFill>
@@ -9241,7 +9241,7 @@
               </a:ln>
               <a:extLst>
                 <a:ext uri="{91240B29-F687-4f45-9708-019B960494DF}">
-                  <a14:hiddenLine xmlns="" xmlns:a14="http://schemas.microsoft.com/office/drawing/2010/main" w="9525">
+                  <a14:hiddenLine xmlns:a14="http://schemas.microsoft.com/office/drawing/2010/main" xmlns="" w="9525">
                     <a:solidFill>
                       <a:srgbClr val="000000"/>
                     </a:solidFill>
@@ -9303,7 +9303,7 @@
               </a:ln>
               <a:extLst>
                 <a:ext uri="{91240B29-F687-4f45-9708-019B960494DF}">
-                  <a14:hiddenLine xmlns="" xmlns:a14="http://schemas.microsoft.com/office/drawing/2010/main" w="9525">
+                  <a14:hiddenLine xmlns:a14="http://schemas.microsoft.com/office/drawing/2010/main" xmlns="" w="9525">
                     <a:solidFill>
                       <a:srgbClr val="000000"/>
                     </a:solidFill>
@@ -9393,7 +9393,7 @@
               </a:ln>
               <a:extLst>
                 <a:ext uri="{91240B29-F687-4f45-9708-019B960494DF}">
-                  <a14:hiddenLine xmlns="" xmlns:a14="http://schemas.microsoft.com/office/drawing/2010/main" w="9525">
+                  <a14:hiddenLine xmlns:a14="http://schemas.microsoft.com/office/drawing/2010/main" xmlns="" w="9525">
                     <a:solidFill>
                       <a:srgbClr val="000000"/>
                     </a:solidFill>
@@ -9455,7 +9455,7 @@
               </a:ln>
               <a:extLst>
                 <a:ext uri="{91240B29-F687-4f45-9708-019B960494DF}">
-                  <a14:hiddenLine xmlns="" xmlns:a14="http://schemas.microsoft.com/office/drawing/2010/main" w="9525">
+                  <a14:hiddenLine xmlns:a14="http://schemas.microsoft.com/office/drawing/2010/main" xmlns="" w="9525">
                     <a:solidFill>
                       <a:srgbClr val="000000"/>
                     </a:solidFill>
@@ -9517,7 +9517,7 @@
               </a:ln>
               <a:extLst>
                 <a:ext uri="{91240B29-F687-4f45-9708-019B960494DF}">
-                  <a14:hiddenLine xmlns="" xmlns:a14="http://schemas.microsoft.com/office/drawing/2010/main" w="9525">
+                  <a14:hiddenLine xmlns:a14="http://schemas.microsoft.com/office/drawing/2010/main" xmlns="" w="9525">
                     <a:solidFill>
                       <a:srgbClr val="000000"/>
                     </a:solidFill>
@@ -9607,7 +9607,7 @@
               </a:ln>
               <a:extLst>
                 <a:ext uri="{91240B29-F687-4f45-9708-019B960494DF}">
-                  <a14:hiddenLine xmlns="" xmlns:a14="http://schemas.microsoft.com/office/drawing/2010/main" w="9525">
+                  <a14:hiddenLine xmlns:a14="http://schemas.microsoft.com/office/drawing/2010/main" xmlns="" w="9525">
                     <a:solidFill>
                       <a:srgbClr val="000000"/>
                     </a:solidFill>
@@ -9697,7 +9697,7 @@
               </a:ln>
               <a:extLst>
                 <a:ext uri="{91240B29-F687-4f45-9708-019B960494DF}">
-                  <a14:hiddenLine xmlns="" xmlns:a14="http://schemas.microsoft.com/office/drawing/2010/main" w="9525">
+                  <a14:hiddenLine xmlns:a14="http://schemas.microsoft.com/office/drawing/2010/main" xmlns="" w="9525">
                     <a:solidFill>
                       <a:srgbClr val="000000"/>
                     </a:solidFill>
@@ -9759,7 +9759,7 @@
               </a:ln>
               <a:extLst>
                 <a:ext uri="{91240B29-F687-4f45-9708-019B960494DF}">
-                  <a14:hiddenLine xmlns="" xmlns:a14="http://schemas.microsoft.com/office/drawing/2010/main" w="9525">
+                  <a14:hiddenLine xmlns:a14="http://schemas.microsoft.com/office/drawing/2010/main" xmlns="" w="9525">
                     <a:solidFill>
                       <a:srgbClr val="000000"/>
                     </a:solidFill>
@@ -9869,7 +9869,7 @@
               </a:ln>
               <a:extLst>
                 <a:ext uri="{91240B29-F687-4f45-9708-019B960494DF}">
-                  <a14:hiddenLine xmlns="" xmlns:a14="http://schemas.microsoft.com/office/drawing/2010/main" w="9525">
+                  <a14:hiddenLine xmlns:a14="http://schemas.microsoft.com/office/drawing/2010/main" xmlns="" w="9525">
                     <a:solidFill>
                       <a:srgbClr val="000000"/>
                     </a:solidFill>
@@ -9953,7 +9953,7 @@
               </a:ln>
               <a:extLst>
                 <a:ext uri="{91240B29-F687-4f45-9708-019B960494DF}">
-                  <a14:hiddenLine xmlns="" xmlns:a14="http://schemas.microsoft.com/office/drawing/2010/main" w="9525">
+                  <a14:hiddenLine xmlns:a14="http://schemas.microsoft.com/office/drawing/2010/main" xmlns="" w="9525">
                     <a:solidFill>
                       <a:srgbClr val="000000"/>
                     </a:solidFill>
@@ -10015,7 +10015,7 @@
               </a:ln>
               <a:extLst>
                 <a:ext uri="{91240B29-F687-4f45-9708-019B960494DF}">
-                  <a14:hiddenLine xmlns="" xmlns:a14="http://schemas.microsoft.com/office/drawing/2010/main" w="9525">
+                  <a14:hiddenLine xmlns:a14="http://schemas.microsoft.com/office/drawing/2010/main" xmlns="" w="9525">
                     <a:solidFill>
                       <a:srgbClr val="000000"/>
                     </a:solidFill>
@@ -10077,7 +10077,7 @@
               </a:ln>
               <a:extLst>
                 <a:ext uri="{91240B29-F687-4f45-9708-019B960494DF}">
-                  <a14:hiddenLine xmlns="" xmlns:a14="http://schemas.microsoft.com/office/drawing/2010/main" w="9525">
+                  <a14:hiddenLine xmlns:a14="http://schemas.microsoft.com/office/drawing/2010/main" xmlns="" w="9525">
                     <a:solidFill>
                       <a:srgbClr val="000000"/>
                     </a:solidFill>
@@ -10167,7 +10167,7 @@
               </a:ln>
               <a:extLst>
                 <a:ext uri="{91240B29-F687-4f45-9708-019B960494DF}">
-                  <a14:hiddenLine xmlns="" xmlns:a14="http://schemas.microsoft.com/office/drawing/2010/main" w="9525">
+                  <a14:hiddenLine xmlns:a14="http://schemas.microsoft.com/office/drawing/2010/main" xmlns="" w="9525">
                     <a:solidFill>
                       <a:srgbClr val="000000"/>
                     </a:solidFill>
@@ -10201,7 +10201,7 @@
               </a:ln>
               <a:extLst>
                 <a:ext uri="{91240B29-F687-4f45-9708-019B960494DF}">
-                  <a14:hiddenLine xmlns="" xmlns:a14="http://schemas.microsoft.com/office/drawing/2010/main" w="9525">
+                  <a14:hiddenLine xmlns:a14="http://schemas.microsoft.com/office/drawing/2010/main" xmlns="" w="9525">
                     <a:solidFill>
                       <a:srgbClr val="000000"/>
                     </a:solidFill>
@@ -10266,7 +10266,7 @@
               </a:ln>
               <a:extLst>
                 <a:ext uri="{91240B29-F687-4f45-9708-019B960494DF}">
-                  <a14:hiddenLine xmlns="" xmlns:a14="http://schemas.microsoft.com/office/drawing/2010/main" w="9525">
+                  <a14:hiddenLine xmlns:a14="http://schemas.microsoft.com/office/drawing/2010/main" xmlns="" w="9525">
                     <a:solidFill>
                       <a:srgbClr val="000000"/>
                     </a:solidFill>
@@ -10356,7 +10356,7 @@
               </a:ln>
               <a:extLst>
                 <a:ext uri="{91240B29-F687-4f45-9708-019B960494DF}">
-                  <a14:hiddenLine xmlns="" xmlns:a14="http://schemas.microsoft.com/office/drawing/2010/main" w="9525">
+                  <a14:hiddenLine xmlns:a14="http://schemas.microsoft.com/office/drawing/2010/main" xmlns="" w="9525">
                     <a:solidFill>
                       <a:srgbClr val="000000"/>
                     </a:solidFill>
@@ -10418,7 +10418,7 @@
               </a:ln>
               <a:extLst>
                 <a:ext uri="{91240B29-F687-4f45-9708-019B960494DF}">
-                  <a14:hiddenLine xmlns="" xmlns:a14="http://schemas.microsoft.com/office/drawing/2010/main" w="9525">
+                  <a14:hiddenLine xmlns:a14="http://schemas.microsoft.com/office/drawing/2010/main" xmlns="" w="9525">
                     <a:solidFill>
                       <a:srgbClr val="000000"/>
                     </a:solidFill>
@@ -10508,7 +10508,7 @@
               </a:ln>
               <a:extLst>
                 <a:ext uri="{91240B29-F687-4f45-9708-019B960494DF}">
-                  <a14:hiddenLine xmlns="" xmlns:a14="http://schemas.microsoft.com/office/drawing/2010/main" w="9525">
+                  <a14:hiddenLine xmlns:a14="http://schemas.microsoft.com/office/drawing/2010/main" xmlns="" w="9525">
                     <a:solidFill>
                       <a:srgbClr val="000000"/>
                     </a:solidFill>
@@ -10573,7 +10573,7 @@
               </a:ln>
               <a:extLst>
                 <a:ext uri="{91240B29-F687-4f45-9708-019B960494DF}">
-                  <a14:hiddenLine xmlns="" xmlns:a14="http://schemas.microsoft.com/office/drawing/2010/main" w="9525">
+                  <a14:hiddenLine xmlns:a14="http://schemas.microsoft.com/office/drawing/2010/main" xmlns="" w="9525">
                     <a:solidFill>
                       <a:srgbClr val="000000"/>
                     </a:solidFill>
@@ -10635,7 +10635,7 @@
               </a:ln>
               <a:extLst>
                 <a:ext uri="{91240B29-F687-4f45-9708-019B960494DF}">
-                  <a14:hiddenLine xmlns="" xmlns:a14="http://schemas.microsoft.com/office/drawing/2010/main" w="9525">
+                  <a14:hiddenLine xmlns:a14="http://schemas.microsoft.com/office/drawing/2010/main" xmlns="" w="9525">
                     <a:solidFill>
                       <a:srgbClr val="000000"/>
                     </a:solidFill>
@@ -10725,7 +10725,7 @@
               </a:ln>
               <a:extLst>
                 <a:ext uri="{91240B29-F687-4f45-9708-019B960494DF}">
-                  <a14:hiddenLine xmlns="" xmlns:a14="http://schemas.microsoft.com/office/drawing/2010/main" w="9525">
+                  <a14:hiddenLine xmlns:a14="http://schemas.microsoft.com/office/drawing/2010/main" xmlns="" w="9525">
                     <a:solidFill>
                       <a:srgbClr val="000000"/>
                     </a:solidFill>
@@ -10815,7 +10815,7 @@
               </a:ln>
               <a:extLst>
                 <a:ext uri="{91240B29-F687-4f45-9708-019B960494DF}">
-                  <a14:hiddenLine xmlns="" xmlns:a14="http://schemas.microsoft.com/office/drawing/2010/main" w="9525">
+                  <a14:hiddenLine xmlns:a14="http://schemas.microsoft.com/office/drawing/2010/main" xmlns="" w="9525">
                     <a:solidFill>
                       <a:srgbClr val="000000"/>
                     </a:solidFill>
@@ -10880,7 +10880,7 @@
               </a:ln>
               <a:extLst>
                 <a:ext uri="{91240B29-F687-4f45-9708-019B960494DF}">
-                  <a14:hiddenLine xmlns="" xmlns:a14="http://schemas.microsoft.com/office/drawing/2010/main" w="9525">
+                  <a14:hiddenLine xmlns:a14="http://schemas.microsoft.com/office/drawing/2010/main" xmlns="" w="9525">
                     <a:solidFill>
                       <a:srgbClr val="000000"/>
                     </a:solidFill>
@@ -11000,7 +11000,7 @@
               </a:ln>
               <a:extLst>
                 <a:ext uri="{91240B29-F687-4f45-9708-019B960494DF}">
-                  <a14:hiddenLine xmlns="" xmlns:a14="http://schemas.microsoft.com/office/drawing/2010/main" w="9525">
+                  <a14:hiddenLine xmlns:a14="http://schemas.microsoft.com/office/drawing/2010/main" xmlns="" w="9525">
                     <a:solidFill>
                       <a:srgbClr val="000000"/>
                     </a:solidFill>
@@ -11081,7 +11081,7 @@
               </a:ln>
               <a:extLst>
                 <a:ext uri="{91240B29-F687-4f45-9708-019B960494DF}">
-                  <a14:hiddenLine xmlns="" xmlns:a14="http://schemas.microsoft.com/office/drawing/2010/main" w="9525">
+                  <a14:hiddenLine xmlns:a14="http://schemas.microsoft.com/office/drawing/2010/main" xmlns="" w="9525">
                     <a:solidFill>
                       <a:srgbClr val="000000"/>
                     </a:solidFill>
@@ -11196,7 +11196,7 @@
               </a:ln>
               <a:extLst>
                 <a:ext uri="{91240B29-F687-4f45-9708-019B960494DF}">
-                  <a14:hiddenLine xmlns="" xmlns:a14="http://schemas.microsoft.com/office/drawing/2010/main" w="9525">
+                  <a14:hiddenLine xmlns:a14="http://schemas.microsoft.com/office/drawing/2010/main" xmlns="" w="9525">
                     <a:solidFill>
                       <a:srgbClr val="000000"/>
                     </a:solidFill>
@@ -11286,7 +11286,7 @@
               </a:ln>
               <a:extLst>
                 <a:ext uri="{91240B29-F687-4f45-9708-019B960494DF}">
-                  <a14:hiddenLine xmlns="" xmlns:a14="http://schemas.microsoft.com/office/drawing/2010/main" w="9525">
+                  <a14:hiddenLine xmlns:a14="http://schemas.microsoft.com/office/drawing/2010/main" xmlns="" w="9525">
                     <a:solidFill>
                       <a:srgbClr val="000000"/>
                     </a:solidFill>
@@ -11351,7 +11351,7 @@
               </a:ln>
               <a:extLst>
                 <a:ext uri="{91240B29-F687-4f45-9708-019B960494DF}">
-                  <a14:hiddenLine xmlns="" xmlns:a14="http://schemas.microsoft.com/office/drawing/2010/main" w="9525">
+                  <a14:hiddenLine xmlns:a14="http://schemas.microsoft.com/office/drawing/2010/main" xmlns="" w="9525">
                     <a:solidFill>
                       <a:srgbClr val="000000"/>
                     </a:solidFill>
@@ -11441,7 +11441,7 @@
               </a:ln>
               <a:extLst>
                 <a:ext uri="{91240B29-F687-4f45-9708-019B960494DF}">
-                  <a14:hiddenLine xmlns="" xmlns:a14="http://schemas.microsoft.com/office/drawing/2010/main" w="9525">
+                  <a14:hiddenLine xmlns:a14="http://schemas.microsoft.com/office/drawing/2010/main" xmlns="" w="9525">
                     <a:solidFill>
                       <a:srgbClr val="000000"/>
                     </a:solidFill>
@@ -11509,7 +11509,7 @@
               </a:ln>
               <a:extLst>
                 <a:ext uri="{91240B29-F687-4f45-9708-019B960494DF}">
-                  <a14:hiddenLine xmlns="" xmlns:a14="http://schemas.microsoft.com/office/drawing/2010/main" w="9525">
+                  <a14:hiddenLine xmlns:a14="http://schemas.microsoft.com/office/drawing/2010/main" xmlns="" w="9525">
                     <a:solidFill>
                       <a:srgbClr val="000000"/>
                     </a:solidFill>
@@ -11599,7 +11599,7 @@
               </a:ln>
               <a:extLst>
                 <a:ext uri="{91240B29-F687-4f45-9708-019B960494DF}">
-                  <a14:hiddenLine xmlns="" xmlns:a14="http://schemas.microsoft.com/office/drawing/2010/main" w="9525">
+                  <a14:hiddenLine xmlns:a14="http://schemas.microsoft.com/office/drawing/2010/main" xmlns="" w="9525">
                     <a:solidFill>
                       <a:srgbClr val="000000"/>
                     </a:solidFill>
@@ -11667,7 +11667,7 @@
               </a:ln>
               <a:extLst>
                 <a:ext uri="{91240B29-F687-4f45-9708-019B960494DF}">
-                  <a14:hiddenLine xmlns="" xmlns:a14="http://schemas.microsoft.com/office/drawing/2010/main" w="9525">
+                  <a14:hiddenLine xmlns:a14="http://schemas.microsoft.com/office/drawing/2010/main" xmlns="" w="9525">
                     <a:solidFill>
                       <a:srgbClr val="000000"/>
                     </a:solidFill>
@@ -11757,7 +11757,7 @@
               </a:ln>
               <a:extLst>
                 <a:ext uri="{91240B29-F687-4f45-9708-019B960494DF}">
-                  <a14:hiddenLine xmlns="" xmlns:a14="http://schemas.microsoft.com/office/drawing/2010/main" w="9525">
+                  <a14:hiddenLine xmlns:a14="http://schemas.microsoft.com/office/drawing/2010/main" xmlns="" w="9525">
                     <a:solidFill>
                       <a:srgbClr val="000000"/>
                     </a:solidFill>
@@ -11791,7 +11791,7 @@
               </a:ln>
               <a:extLst>
                 <a:ext uri="{91240B29-F687-4f45-9708-019B960494DF}">
-                  <a14:hiddenLine xmlns="" xmlns:a14="http://schemas.microsoft.com/office/drawing/2010/main" w="9525">
+                  <a14:hiddenLine xmlns:a14="http://schemas.microsoft.com/office/drawing/2010/main" xmlns="" w="9525">
                     <a:solidFill>
                       <a:srgbClr val="000000"/>
                     </a:solidFill>
@@ -11932,7 +11932,7 @@
             <a:fld id="{48A87A34-81AB-432B-8DAE-1953F412C126}" type="datetimeFigureOut">
               <a:rPr lang="en-US" dirty="0"/>
               <a:pPr/>
-              <a:t>11/15/2016</a:t>
+              <a:t>11/16/2016</a:t>
             </a:fld>
             <a:endParaRPr lang="en-US" dirty="0"/>
           </a:p>
